--- a/ppt 16-9/0532.谦卑随主.pptx
+++ b/ppt 16-9/0532.谦卑随主.pptx
@@ -5,7 +5,7 @@
     <p:sldMasterId id="2147483648" r:id="rId1"/>
   </p:sldMasterIdLst>
   <p:sldIdLst>
-    <p:sldId id="2272" r:id="rId2"/>
+    <p:sldId id="2274" r:id="rId2"/>
   </p:sldIdLst>
   <p:sldSz cx="12192000" cy="6858000"/>
   <p:notesSz cx="6858000" cy="9144000"/>
@@ -129,7 +129,7 @@
           <p:cNvPr id="2" name="标题 1">
             <a:extLst>
               <a:ext uri="{FF2B5EF4-FFF2-40B4-BE49-F238E27FC236}">
-                <a16:creationId xmlns:a16="http://schemas.microsoft.com/office/drawing/2014/main" id="{B6A30997-29B3-16BC-A82F-F3409469DDEC}"/>
+                <a16:creationId xmlns:a16="http://schemas.microsoft.com/office/drawing/2014/main" id="{995808D6-71C2-7C5C-C7C8-F53EF5066ADF}"/>
               </a:ext>
             </a:extLst>
           </p:cNvPr>
@@ -166,7 +166,7 @@
           <p:cNvPr id="3" name="副标题 2">
             <a:extLst>
               <a:ext uri="{FF2B5EF4-FFF2-40B4-BE49-F238E27FC236}">
-                <a16:creationId xmlns:a16="http://schemas.microsoft.com/office/drawing/2014/main" id="{2AB40063-62DB-78BA-E604-BCE4F5957AD7}"/>
+                <a16:creationId xmlns:a16="http://schemas.microsoft.com/office/drawing/2014/main" id="{4E27280A-ED48-65CD-D5F3-091FE861F2A8}"/>
               </a:ext>
             </a:extLst>
           </p:cNvPr>
@@ -236,7 +236,7 @@
           <p:cNvPr id="4" name="日期占位符 3">
             <a:extLst>
               <a:ext uri="{FF2B5EF4-FFF2-40B4-BE49-F238E27FC236}">
-                <a16:creationId xmlns:a16="http://schemas.microsoft.com/office/drawing/2014/main" id="{6D11D225-DF87-C282-F702-87D9A7619E52}"/>
+                <a16:creationId xmlns:a16="http://schemas.microsoft.com/office/drawing/2014/main" id="{A2BE4B60-D883-7EA7-9E15-C4D17B7EA8EE}"/>
               </a:ext>
             </a:extLst>
           </p:cNvPr>
@@ -252,7 +252,7 @@
           <a:bodyPr/>
           <a:lstStyle/>
           <a:p>
-            <a:fld id="{57A8F985-8560-411C-905E-B589761B0F87}" type="datetimeFigureOut">
+            <a:fld id="{72AD63B3-2D10-4C87-93E8-71BDC658BDBB}" type="datetimeFigureOut">
               <a:rPr lang="zh-CN" altLang="en-US" smtClean="0"/>
               <a:t>2024/3/10</a:t>
             </a:fld>
@@ -265,7 +265,7 @@
           <p:cNvPr id="5" name="页脚占位符 4">
             <a:extLst>
               <a:ext uri="{FF2B5EF4-FFF2-40B4-BE49-F238E27FC236}">
-                <a16:creationId xmlns:a16="http://schemas.microsoft.com/office/drawing/2014/main" id="{0945B9E3-42A4-B1FE-5DC3-105E26734904}"/>
+                <a16:creationId xmlns:a16="http://schemas.microsoft.com/office/drawing/2014/main" id="{13B5C67C-5F17-32B8-A21A-A98DDFF02162}"/>
               </a:ext>
             </a:extLst>
           </p:cNvPr>
@@ -290,7 +290,7 @@
           <p:cNvPr id="6" name="灯片编号占位符 5">
             <a:extLst>
               <a:ext uri="{FF2B5EF4-FFF2-40B4-BE49-F238E27FC236}">
-                <a16:creationId xmlns:a16="http://schemas.microsoft.com/office/drawing/2014/main" id="{B8F82315-3AF9-67FC-E6F5-374A200BB83F}"/>
+                <a16:creationId xmlns:a16="http://schemas.microsoft.com/office/drawing/2014/main" id="{A4B747D3-5F27-B771-77C8-D6E87948F574}"/>
               </a:ext>
             </a:extLst>
           </p:cNvPr>
@@ -306,7 +306,7 @@
           <a:bodyPr/>
           <a:lstStyle/>
           <a:p>
-            <a:fld id="{C56D3C84-D069-46CB-A3CD-9051EFB245BA}" type="slidenum">
+            <a:fld id="{5E9D2060-A530-4FFC-9833-66A626B15C1A}" type="slidenum">
               <a:rPr lang="zh-CN" altLang="en-US" smtClean="0"/>
               <a:t>‹#›</a:t>
             </a:fld>
@@ -317,7 +317,7 @@
     </p:spTree>
     <p:extLst>
       <p:ext uri="{BB962C8B-B14F-4D97-AF65-F5344CB8AC3E}">
-        <p14:creationId xmlns:p14="http://schemas.microsoft.com/office/powerpoint/2010/main" val="4120042280"/>
+        <p14:creationId xmlns:p14="http://schemas.microsoft.com/office/powerpoint/2010/main" val="182659501"/>
       </p:ext>
     </p:extLst>
   </p:cSld>
@@ -349,7 +349,7 @@
           <p:cNvPr id="2" name="标题 1">
             <a:extLst>
               <a:ext uri="{FF2B5EF4-FFF2-40B4-BE49-F238E27FC236}">
-                <a16:creationId xmlns:a16="http://schemas.microsoft.com/office/drawing/2014/main" id="{B242FFB2-40ED-03AA-C271-865675A32BAF}"/>
+                <a16:creationId xmlns:a16="http://schemas.microsoft.com/office/drawing/2014/main" id="{BD468E6A-CE5B-5F6B-6514-C3EF00F8F6F5}"/>
               </a:ext>
             </a:extLst>
           </p:cNvPr>
@@ -377,7 +377,7 @@
           <p:cNvPr id="3" name="竖排文字占位符 2">
             <a:extLst>
               <a:ext uri="{FF2B5EF4-FFF2-40B4-BE49-F238E27FC236}">
-                <a16:creationId xmlns:a16="http://schemas.microsoft.com/office/drawing/2014/main" id="{DB599069-EF0A-C437-1E2A-85E508E8F7F0}"/>
+                <a16:creationId xmlns:a16="http://schemas.microsoft.com/office/drawing/2014/main" id="{12889A88-CC23-4861-2639-2680D8CCE9A2}"/>
               </a:ext>
             </a:extLst>
           </p:cNvPr>
@@ -434,7 +434,7 @@
           <p:cNvPr id="4" name="日期占位符 3">
             <a:extLst>
               <a:ext uri="{FF2B5EF4-FFF2-40B4-BE49-F238E27FC236}">
-                <a16:creationId xmlns:a16="http://schemas.microsoft.com/office/drawing/2014/main" id="{C9D39580-CC3E-CE19-160C-C55B8DF83963}"/>
+                <a16:creationId xmlns:a16="http://schemas.microsoft.com/office/drawing/2014/main" id="{50FB7D3D-F91D-2FE3-C62F-1D0BCC72FE1C}"/>
               </a:ext>
             </a:extLst>
           </p:cNvPr>
@@ -450,7 +450,7 @@
           <a:bodyPr/>
           <a:lstStyle/>
           <a:p>
-            <a:fld id="{57A8F985-8560-411C-905E-B589761B0F87}" type="datetimeFigureOut">
+            <a:fld id="{72AD63B3-2D10-4C87-93E8-71BDC658BDBB}" type="datetimeFigureOut">
               <a:rPr lang="zh-CN" altLang="en-US" smtClean="0"/>
               <a:t>2024/3/10</a:t>
             </a:fld>
@@ -463,7 +463,7 @@
           <p:cNvPr id="5" name="页脚占位符 4">
             <a:extLst>
               <a:ext uri="{FF2B5EF4-FFF2-40B4-BE49-F238E27FC236}">
-                <a16:creationId xmlns:a16="http://schemas.microsoft.com/office/drawing/2014/main" id="{12547DDE-FB12-D881-728A-D1D097668ADA}"/>
+                <a16:creationId xmlns:a16="http://schemas.microsoft.com/office/drawing/2014/main" id="{4C952403-1C35-65F5-DA93-42E15BA88417}"/>
               </a:ext>
             </a:extLst>
           </p:cNvPr>
@@ -488,7 +488,7 @@
           <p:cNvPr id="6" name="灯片编号占位符 5">
             <a:extLst>
               <a:ext uri="{FF2B5EF4-FFF2-40B4-BE49-F238E27FC236}">
-                <a16:creationId xmlns:a16="http://schemas.microsoft.com/office/drawing/2014/main" id="{2C812A52-6563-50D5-F4F1-261A93CB53CA}"/>
+                <a16:creationId xmlns:a16="http://schemas.microsoft.com/office/drawing/2014/main" id="{10353554-013C-CAA9-3055-70EEE63B161A}"/>
               </a:ext>
             </a:extLst>
           </p:cNvPr>
@@ -504,7 +504,7 @@
           <a:bodyPr/>
           <a:lstStyle/>
           <a:p>
-            <a:fld id="{C56D3C84-D069-46CB-A3CD-9051EFB245BA}" type="slidenum">
+            <a:fld id="{5E9D2060-A530-4FFC-9833-66A626B15C1A}" type="slidenum">
               <a:rPr lang="zh-CN" altLang="en-US" smtClean="0"/>
               <a:t>‹#›</a:t>
             </a:fld>
@@ -515,7 +515,7 @@
     </p:spTree>
     <p:extLst>
       <p:ext uri="{BB962C8B-B14F-4D97-AF65-F5344CB8AC3E}">
-        <p14:creationId xmlns:p14="http://schemas.microsoft.com/office/powerpoint/2010/main" val="1947741564"/>
+        <p14:creationId xmlns:p14="http://schemas.microsoft.com/office/powerpoint/2010/main" val="326274736"/>
       </p:ext>
     </p:extLst>
   </p:cSld>
@@ -547,7 +547,7 @@
           <p:cNvPr id="2" name="竖排标题 1">
             <a:extLst>
               <a:ext uri="{FF2B5EF4-FFF2-40B4-BE49-F238E27FC236}">
-                <a16:creationId xmlns:a16="http://schemas.microsoft.com/office/drawing/2014/main" id="{3854E166-C182-95A1-7391-EE29ED9FA871}"/>
+                <a16:creationId xmlns:a16="http://schemas.microsoft.com/office/drawing/2014/main" id="{B2BBA4FC-A351-F74B-A31D-402101C76D76}"/>
               </a:ext>
             </a:extLst>
           </p:cNvPr>
@@ -580,7 +580,7 @@
           <p:cNvPr id="3" name="竖排文字占位符 2">
             <a:extLst>
               <a:ext uri="{FF2B5EF4-FFF2-40B4-BE49-F238E27FC236}">
-                <a16:creationId xmlns:a16="http://schemas.microsoft.com/office/drawing/2014/main" id="{775DE605-2F5E-84EA-FB08-AA761A976B4E}"/>
+                <a16:creationId xmlns:a16="http://schemas.microsoft.com/office/drawing/2014/main" id="{509B2A41-8D20-93E8-9DBF-35673D4A4448}"/>
               </a:ext>
             </a:extLst>
           </p:cNvPr>
@@ -642,7 +642,7 @@
           <p:cNvPr id="4" name="日期占位符 3">
             <a:extLst>
               <a:ext uri="{FF2B5EF4-FFF2-40B4-BE49-F238E27FC236}">
-                <a16:creationId xmlns:a16="http://schemas.microsoft.com/office/drawing/2014/main" id="{25AE0A6D-E5A8-0EF8-31AF-1767D06F74C1}"/>
+                <a16:creationId xmlns:a16="http://schemas.microsoft.com/office/drawing/2014/main" id="{1403F4D9-9AF5-18D8-77CE-3157CEA9DFFD}"/>
               </a:ext>
             </a:extLst>
           </p:cNvPr>
@@ -658,7 +658,7 @@
           <a:bodyPr/>
           <a:lstStyle/>
           <a:p>
-            <a:fld id="{57A8F985-8560-411C-905E-B589761B0F87}" type="datetimeFigureOut">
+            <a:fld id="{72AD63B3-2D10-4C87-93E8-71BDC658BDBB}" type="datetimeFigureOut">
               <a:rPr lang="zh-CN" altLang="en-US" smtClean="0"/>
               <a:t>2024/3/10</a:t>
             </a:fld>
@@ -671,7 +671,7 @@
           <p:cNvPr id="5" name="页脚占位符 4">
             <a:extLst>
               <a:ext uri="{FF2B5EF4-FFF2-40B4-BE49-F238E27FC236}">
-                <a16:creationId xmlns:a16="http://schemas.microsoft.com/office/drawing/2014/main" id="{408F7444-5C1D-ADA7-39B8-F6B050E68F06}"/>
+                <a16:creationId xmlns:a16="http://schemas.microsoft.com/office/drawing/2014/main" id="{D1BC8A18-A860-6CFD-1201-D7BA124AAC3E}"/>
               </a:ext>
             </a:extLst>
           </p:cNvPr>
@@ -696,7 +696,7 @@
           <p:cNvPr id="6" name="灯片编号占位符 5">
             <a:extLst>
               <a:ext uri="{FF2B5EF4-FFF2-40B4-BE49-F238E27FC236}">
-                <a16:creationId xmlns:a16="http://schemas.microsoft.com/office/drawing/2014/main" id="{62E92385-78A7-E9B5-4287-9A50C50C385D}"/>
+                <a16:creationId xmlns:a16="http://schemas.microsoft.com/office/drawing/2014/main" id="{57456808-E32D-7A37-CFB8-066C36E5F10C}"/>
               </a:ext>
             </a:extLst>
           </p:cNvPr>
@@ -712,7 +712,7 @@
           <a:bodyPr/>
           <a:lstStyle/>
           <a:p>
-            <a:fld id="{C56D3C84-D069-46CB-A3CD-9051EFB245BA}" type="slidenum">
+            <a:fld id="{5E9D2060-A530-4FFC-9833-66A626B15C1A}" type="slidenum">
               <a:rPr lang="zh-CN" altLang="en-US" smtClean="0"/>
               <a:t>‹#›</a:t>
             </a:fld>
@@ -723,7 +723,7 @@
     </p:spTree>
     <p:extLst>
       <p:ext uri="{BB962C8B-B14F-4D97-AF65-F5344CB8AC3E}">
-        <p14:creationId xmlns:p14="http://schemas.microsoft.com/office/powerpoint/2010/main" val="659169583"/>
+        <p14:creationId xmlns:p14="http://schemas.microsoft.com/office/powerpoint/2010/main" val="3118663885"/>
       </p:ext>
     </p:extLst>
   </p:cSld>
@@ -755,7 +755,7 @@
           <p:cNvPr id="2" name="标题 1">
             <a:extLst>
               <a:ext uri="{FF2B5EF4-FFF2-40B4-BE49-F238E27FC236}">
-                <a16:creationId xmlns:a16="http://schemas.microsoft.com/office/drawing/2014/main" id="{BDBA8EA3-6DF6-11D2-2ACD-822E3506D856}"/>
+                <a16:creationId xmlns:a16="http://schemas.microsoft.com/office/drawing/2014/main" id="{49F5542D-90ED-01FE-DC73-1FF19C06B40B}"/>
               </a:ext>
             </a:extLst>
           </p:cNvPr>
@@ -783,7 +783,7 @@
           <p:cNvPr id="3" name="内容占位符 2">
             <a:extLst>
               <a:ext uri="{FF2B5EF4-FFF2-40B4-BE49-F238E27FC236}">
-                <a16:creationId xmlns:a16="http://schemas.microsoft.com/office/drawing/2014/main" id="{5D86E71D-5629-ECCD-FF3F-B13CB2247411}"/>
+                <a16:creationId xmlns:a16="http://schemas.microsoft.com/office/drawing/2014/main" id="{4BB14CF9-24DA-D4F5-1690-188E65E54345}"/>
               </a:ext>
             </a:extLst>
           </p:cNvPr>
@@ -840,7 +840,7 @@
           <p:cNvPr id="4" name="日期占位符 3">
             <a:extLst>
               <a:ext uri="{FF2B5EF4-FFF2-40B4-BE49-F238E27FC236}">
-                <a16:creationId xmlns:a16="http://schemas.microsoft.com/office/drawing/2014/main" id="{83DA576F-1773-8747-8B09-CC29505361B0}"/>
+                <a16:creationId xmlns:a16="http://schemas.microsoft.com/office/drawing/2014/main" id="{5F066294-3384-179D-16D4-B608D8833E77}"/>
               </a:ext>
             </a:extLst>
           </p:cNvPr>
@@ -856,7 +856,7 @@
           <a:bodyPr/>
           <a:lstStyle/>
           <a:p>
-            <a:fld id="{57A8F985-8560-411C-905E-B589761B0F87}" type="datetimeFigureOut">
+            <a:fld id="{72AD63B3-2D10-4C87-93E8-71BDC658BDBB}" type="datetimeFigureOut">
               <a:rPr lang="zh-CN" altLang="en-US" smtClean="0"/>
               <a:t>2024/3/10</a:t>
             </a:fld>
@@ -869,7 +869,7 @@
           <p:cNvPr id="5" name="页脚占位符 4">
             <a:extLst>
               <a:ext uri="{FF2B5EF4-FFF2-40B4-BE49-F238E27FC236}">
-                <a16:creationId xmlns:a16="http://schemas.microsoft.com/office/drawing/2014/main" id="{FD3D89A3-E1DB-E93A-8242-7B1D45C4886C}"/>
+                <a16:creationId xmlns:a16="http://schemas.microsoft.com/office/drawing/2014/main" id="{B4921B78-B8AC-B1C4-2656-8AC82E6E0E92}"/>
               </a:ext>
             </a:extLst>
           </p:cNvPr>
@@ -894,7 +894,7 @@
           <p:cNvPr id="6" name="灯片编号占位符 5">
             <a:extLst>
               <a:ext uri="{FF2B5EF4-FFF2-40B4-BE49-F238E27FC236}">
-                <a16:creationId xmlns:a16="http://schemas.microsoft.com/office/drawing/2014/main" id="{3FBF346B-B0D2-A99C-43A1-BE3B78062DF6}"/>
+                <a16:creationId xmlns:a16="http://schemas.microsoft.com/office/drawing/2014/main" id="{6D1E5989-D1F4-92C0-430E-3DBEADB61648}"/>
               </a:ext>
             </a:extLst>
           </p:cNvPr>
@@ -910,7 +910,7 @@
           <a:bodyPr/>
           <a:lstStyle/>
           <a:p>
-            <a:fld id="{C56D3C84-D069-46CB-A3CD-9051EFB245BA}" type="slidenum">
+            <a:fld id="{5E9D2060-A530-4FFC-9833-66A626B15C1A}" type="slidenum">
               <a:rPr lang="zh-CN" altLang="en-US" smtClean="0"/>
               <a:t>‹#›</a:t>
             </a:fld>
@@ -921,7 +921,7 @@
     </p:spTree>
     <p:extLst>
       <p:ext uri="{BB962C8B-B14F-4D97-AF65-F5344CB8AC3E}">
-        <p14:creationId xmlns:p14="http://schemas.microsoft.com/office/powerpoint/2010/main" val="2204637452"/>
+        <p14:creationId xmlns:p14="http://schemas.microsoft.com/office/powerpoint/2010/main" val="2906075195"/>
       </p:ext>
     </p:extLst>
   </p:cSld>
@@ -953,7 +953,7 @@
           <p:cNvPr id="2" name="标题 1">
             <a:extLst>
               <a:ext uri="{FF2B5EF4-FFF2-40B4-BE49-F238E27FC236}">
-                <a16:creationId xmlns:a16="http://schemas.microsoft.com/office/drawing/2014/main" id="{5CA6B0F7-5B83-B0C3-03BC-8E2BF6303F03}"/>
+                <a16:creationId xmlns:a16="http://schemas.microsoft.com/office/drawing/2014/main" id="{D967D38E-ED24-A105-06E4-F9B036FCEC4B}"/>
               </a:ext>
             </a:extLst>
           </p:cNvPr>
@@ -990,7 +990,7 @@
           <p:cNvPr id="3" name="文本占位符 2">
             <a:extLst>
               <a:ext uri="{FF2B5EF4-FFF2-40B4-BE49-F238E27FC236}">
-                <a16:creationId xmlns:a16="http://schemas.microsoft.com/office/drawing/2014/main" id="{390E3A11-4D52-7290-DB08-23ACD17B30CB}"/>
+                <a16:creationId xmlns:a16="http://schemas.microsoft.com/office/drawing/2014/main" id="{DEFF158E-0944-0B38-A4D3-DA82EEA1A162}"/>
               </a:ext>
             </a:extLst>
           </p:cNvPr>
@@ -1115,7 +1115,7 @@
           <p:cNvPr id="4" name="日期占位符 3">
             <a:extLst>
               <a:ext uri="{FF2B5EF4-FFF2-40B4-BE49-F238E27FC236}">
-                <a16:creationId xmlns:a16="http://schemas.microsoft.com/office/drawing/2014/main" id="{8F5262E9-CD52-C1F0-A7CA-53C79331A66A}"/>
+                <a16:creationId xmlns:a16="http://schemas.microsoft.com/office/drawing/2014/main" id="{69D1A25C-C55C-5A88-054E-DABF14FC2615}"/>
               </a:ext>
             </a:extLst>
           </p:cNvPr>
@@ -1131,7 +1131,7 @@
           <a:bodyPr/>
           <a:lstStyle/>
           <a:p>
-            <a:fld id="{57A8F985-8560-411C-905E-B589761B0F87}" type="datetimeFigureOut">
+            <a:fld id="{72AD63B3-2D10-4C87-93E8-71BDC658BDBB}" type="datetimeFigureOut">
               <a:rPr lang="zh-CN" altLang="en-US" smtClean="0"/>
               <a:t>2024/3/10</a:t>
             </a:fld>
@@ -1144,7 +1144,7 @@
           <p:cNvPr id="5" name="页脚占位符 4">
             <a:extLst>
               <a:ext uri="{FF2B5EF4-FFF2-40B4-BE49-F238E27FC236}">
-                <a16:creationId xmlns:a16="http://schemas.microsoft.com/office/drawing/2014/main" id="{47FD3D3E-2BFD-D622-3849-A9338015DB90}"/>
+                <a16:creationId xmlns:a16="http://schemas.microsoft.com/office/drawing/2014/main" id="{043BC968-CD84-8686-B9E7-F75A771F1A31}"/>
               </a:ext>
             </a:extLst>
           </p:cNvPr>
@@ -1169,7 +1169,7 @@
           <p:cNvPr id="6" name="灯片编号占位符 5">
             <a:extLst>
               <a:ext uri="{FF2B5EF4-FFF2-40B4-BE49-F238E27FC236}">
-                <a16:creationId xmlns:a16="http://schemas.microsoft.com/office/drawing/2014/main" id="{098A9E6C-6575-5B89-F21C-BC9313BAFAF7}"/>
+                <a16:creationId xmlns:a16="http://schemas.microsoft.com/office/drawing/2014/main" id="{BC2E613C-C653-F92B-1A33-06489A104FA5}"/>
               </a:ext>
             </a:extLst>
           </p:cNvPr>
@@ -1185,7 +1185,7 @@
           <a:bodyPr/>
           <a:lstStyle/>
           <a:p>
-            <a:fld id="{C56D3C84-D069-46CB-A3CD-9051EFB245BA}" type="slidenum">
+            <a:fld id="{5E9D2060-A530-4FFC-9833-66A626B15C1A}" type="slidenum">
               <a:rPr lang="zh-CN" altLang="en-US" smtClean="0"/>
               <a:t>‹#›</a:t>
             </a:fld>
@@ -1196,7 +1196,7 @@
     </p:spTree>
     <p:extLst>
       <p:ext uri="{BB962C8B-B14F-4D97-AF65-F5344CB8AC3E}">
-        <p14:creationId xmlns:p14="http://schemas.microsoft.com/office/powerpoint/2010/main" val="3575928760"/>
+        <p14:creationId xmlns:p14="http://schemas.microsoft.com/office/powerpoint/2010/main" val="749300924"/>
       </p:ext>
     </p:extLst>
   </p:cSld>
@@ -1228,7 +1228,7 @@
           <p:cNvPr id="2" name="标题 1">
             <a:extLst>
               <a:ext uri="{FF2B5EF4-FFF2-40B4-BE49-F238E27FC236}">
-                <a16:creationId xmlns:a16="http://schemas.microsoft.com/office/drawing/2014/main" id="{CF5BB234-016F-E406-3792-B3B8E6FF993A}"/>
+                <a16:creationId xmlns:a16="http://schemas.microsoft.com/office/drawing/2014/main" id="{28DD56F0-D49F-4597-A308-0FBC28003DBB}"/>
               </a:ext>
             </a:extLst>
           </p:cNvPr>
@@ -1256,7 +1256,7 @@
           <p:cNvPr id="3" name="内容占位符 2">
             <a:extLst>
               <a:ext uri="{FF2B5EF4-FFF2-40B4-BE49-F238E27FC236}">
-                <a16:creationId xmlns:a16="http://schemas.microsoft.com/office/drawing/2014/main" id="{EF0335C4-5103-6B19-C4BD-7DAB5C5D0B1E}"/>
+                <a16:creationId xmlns:a16="http://schemas.microsoft.com/office/drawing/2014/main" id="{99DA69D2-460E-5922-357A-923EBCFD6F57}"/>
               </a:ext>
             </a:extLst>
           </p:cNvPr>
@@ -1318,7 +1318,7 @@
           <p:cNvPr id="4" name="内容占位符 3">
             <a:extLst>
               <a:ext uri="{FF2B5EF4-FFF2-40B4-BE49-F238E27FC236}">
-                <a16:creationId xmlns:a16="http://schemas.microsoft.com/office/drawing/2014/main" id="{4969D369-481F-F990-1170-96D2CA04DC31}"/>
+                <a16:creationId xmlns:a16="http://schemas.microsoft.com/office/drawing/2014/main" id="{F96334A1-0322-BFA9-0817-44F4CF647725}"/>
               </a:ext>
             </a:extLst>
           </p:cNvPr>
@@ -1380,7 +1380,7 @@
           <p:cNvPr id="5" name="日期占位符 4">
             <a:extLst>
               <a:ext uri="{FF2B5EF4-FFF2-40B4-BE49-F238E27FC236}">
-                <a16:creationId xmlns:a16="http://schemas.microsoft.com/office/drawing/2014/main" id="{7C91AA99-C06F-0C99-7382-A2C1896DA898}"/>
+                <a16:creationId xmlns:a16="http://schemas.microsoft.com/office/drawing/2014/main" id="{DEB6700E-7ADF-02F5-8AB4-2FB583AD2CC2}"/>
               </a:ext>
             </a:extLst>
           </p:cNvPr>
@@ -1396,7 +1396,7 @@
           <a:bodyPr/>
           <a:lstStyle/>
           <a:p>
-            <a:fld id="{57A8F985-8560-411C-905E-B589761B0F87}" type="datetimeFigureOut">
+            <a:fld id="{72AD63B3-2D10-4C87-93E8-71BDC658BDBB}" type="datetimeFigureOut">
               <a:rPr lang="zh-CN" altLang="en-US" smtClean="0"/>
               <a:t>2024/3/10</a:t>
             </a:fld>
@@ -1409,7 +1409,7 @@
           <p:cNvPr id="6" name="页脚占位符 5">
             <a:extLst>
               <a:ext uri="{FF2B5EF4-FFF2-40B4-BE49-F238E27FC236}">
-                <a16:creationId xmlns:a16="http://schemas.microsoft.com/office/drawing/2014/main" id="{C549FCE9-C543-FD71-99D4-FB5CA237D2B8}"/>
+                <a16:creationId xmlns:a16="http://schemas.microsoft.com/office/drawing/2014/main" id="{50E820AF-9B3C-B106-BAD4-CBAA174E2420}"/>
               </a:ext>
             </a:extLst>
           </p:cNvPr>
@@ -1434,7 +1434,7 @@
           <p:cNvPr id="7" name="灯片编号占位符 6">
             <a:extLst>
               <a:ext uri="{FF2B5EF4-FFF2-40B4-BE49-F238E27FC236}">
-                <a16:creationId xmlns:a16="http://schemas.microsoft.com/office/drawing/2014/main" id="{9A6F35FC-A5E1-4528-BCEF-AB6BFB7C1611}"/>
+                <a16:creationId xmlns:a16="http://schemas.microsoft.com/office/drawing/2014/main" id="{57F5E13E-936E-F455-A8B2-B07DEFDE3C7E}"/>
               </a:ext>
             </a:extLst>
           </p:cNvPr>
@@ -1450,7 +1450,7 @@
           <a:bodyPr/>
           <a:lstStyle/>
           <a:p>
-            <a:fld id="{C56D3C84-D069-46CB-A3CD-9051EFB245BA}" type="slidenum">
+            <a:fld id="{5E9D2060-A530-4FFC-9833-66A626B15C1A}" type="slidenum">
               <a:rPr lang="zh-CN" altLang="en-US" smtClean="0"/>
               <a:t>‹#›</a:t>
             </a:fld>
@@ -1461,7 +1461,7 @@
     </p:spTree>
     <p:extLst>
       <p:ext uri="{BB962C8B-B14F-4D97-AF65-F5344CB8AC3E}">
-        <p14:creationId xmlns:p14="http://schemas.microsoft.com/office/powerpoint/2010/main" val="2052542953"/>
+        <p14:creationId xmlns:p14="http://schemas.microsoft.com/office/powerpoint/2010/main" val="1820750"/>
       </p:ext>
     </p:extLst>
   </p:cSld>
@@ -1493,7 +1493,7 @@
           <p:cNvPr id="2" name="标题 1">
             <a:extLst>
               <a:ext uri="{FF2B5EF4-FFF2-40B4-BE49-F238E27FC236}">
-                <a16:creationId xmlns:a16="http://schemas.microsoft.com/office/drawing/2014/main" id="{12881F7A-BA98-1E06-62AC-167916B4B1DE}"/>
+                <a16:creationId xmlns:a16="http://schemas.microsoft.com/office/drawing/2014/main" id="{710A8E55-434A-49D3-7604-F83BD273169D}"/>
               </a:ext>
             </a:extLst>
           </p:cNvPr>
@@ -1526,7 +1526,7 @@
           <p:cNvPr id="3" name="文本占位符 2">
             <a:extLst>
               <a:ext uri="{FF2B5EF4-FFF2-40B4-BE49-F238E27FC236}">
-                <a16:creationId xmlns:a16="http://schemas.microsoft.com/office/drawing/2014/main" id="{FBECBDB9-7260-D695-91FF-68860C05248D}"/>
+                <a16:creationId xmlns:a16="http://schemas.microsoft.com/office/drawing/2014/main" id="{A51581B5-F164-1B24-F81F-02C021E1C030}"/>
               </a:ext>
             </a:extLst>
           </p:cNvPr>
@@ -1597,7 +1597,7 @@
           <p:cNvPr id="4" name="内容占位符 3">
             <a:extLst>
               <a:ext uri="{FF2B5EF4-FFF2-40B4-BE49-F238E27FC236}">
-                <a16:creationId xmlns:a16="http://schemas.microsoft.com/office/drawing/2014/main" id="{CD697F15-9517-C73F-EF65-241E14DA4F2A}"/>
+                <a16:creationId xmlns:a16="http://schemas.microsoft.com/office/drawing/2014/main" id="{3C52CB26-DF6E-90A1-1160-BF80D8A7CEC5}"/>
               </a:ext>
             </a:extLst>
           </p:cNvPr>
@@ -1659,7 +1659,7 @@
           <p:cNvPr id="5" name="文本占位符 4">
             <a:extLst>
               <a:ext uri="{FF2B5EF4-FFF2-40B4-BE49-F238E27FC236}">
-                <a16:creationId xmlns:a16="http://schemas.microsoft.com/office/drawing/2014/main" id="{228E6AC8-F2DB-3E15-6E28-72C69728B1BD}"/>
+                <a16:creationId xmlns:a16="http://schemas.microsoft.com/office/drawing/2014/main" id="{2B8612E7-1002-AF45-61B5-5E6C606BD9EE}"/>
               </a:ext>
             </a:extLst>
           </p:cNvPr>
@@ -1730,7 +1730,7 @@
           <p:cNvPr id="6" name="内容占位符 5">
             <a:extLst>
               <a:ext uri="{FF2B5EF4-FFF2-40B4-BE49-F238E27FC236}">
-                <a16:creationId xmlns:a16="http://schemas.microsoft.com/office/drawing/2014/main" id="{1F104953-1AB2-6534-6613-8B37FDA5D797}"/>
+                <a16:creationId xmlns:a16="http://schemas.microsoft.com/office/drawing/2014/main" id="{A2A1A075-8AFC-DDF9-8AFC-AE57A45FDFE0}"/>
               </a:ext>
             </a:extLst>
           </p:cNvPr>
@@ -1792,7 +1792,7 @@
           <p:cNvPr id="7" name="日期占位符 6">
             <a:extLst>
               <a:ext uri="{FF2B5EF4-FFF2-40B4-BE49-F238E27FC236}">
-                <a16:creationId xmlns:a16="http://schemas.microsoft.com/office/drawing/2014/main" id="{87926C91-8716-6CF9-6DAC-5BE1D68F8EE1}"/>
+                <a16:creationId xmlns:a16="http://schemas.microsoft.com/office/drawing/2014/main" id="{67BAFEE4-BF26-B7B9-211A-42FEB51D97BD}"/>
               </a:ext>
             </a:extLst>
           </p:cNvPr>
@@ -1808,7 +1808,7 @@
           <a:bodyPr/>
           <a:lstStyle/>
           <a:p>
-            <a:fld id="{57A8F985-8560-411C-905E-B589761B0F87}" type="datetimeFigureOut">
+            <a:fld id="{72AD63B3-2D10-4C87-93E8-71BDC658BDBB}" type="datetimeFigureOut">
               <a:rPr lang="zh-CN" altLang="en-US" smtClean="0"/>
               <a:t>2024/3/10</a:t>
             </a:fld>
@@ -1821,7 +1821,7 @@
           <p:cNvPr id="8" name="页脚占位符 7">
             <a:extLst>
               <a:ext uri="{FF2B5EF4-FFF2-40B4-BE49-F238E27FC236}">
-                <a16:creationId xmlns:a16="http://schemas.microsoft.com/office/drawing/2014/main" id="{9418368D-99DB-D043-C0C3-725A7EDC99A2}"/>
+                <a16:creationId xmlns:a16="http://schemas.microsoft.com/office/drawing/2014/main" id="{E5F547BF-FE6C-56F5-FD63-ED2CCD84370F}"/>
               </a:ext>
             </a:extLst>
           </p:cNvPr>
@@ -1846,7 +1846,7 @@
           <p:cNvPr id="9" name="灯片编号占位符 8">
             <a:extLst>
               <a:ext uri="{FF2B5EF4-FFF2-40B4-BE49-F238E27FC236}">
-                <a16:creationId xmlns:a16="http://schemas.microsoft.com/office/drawing/2014/main" id="{2726CFFC-AE6B-92D2-1EE2-0BD89AC8315A}"/>
+                <a16:creationId xmlns:a16="http://schemas.microsoft.com/office/drawing/2014/main" id="{DC0D1DD5-8C28-A10A-5E2A-3BFBB1425A8C}"/>
               </a:ext>
             </a:extLst>
           </p:cNvPr>
@@ -1862,7 +1862,7 @@
           <a:bodyPr/>
           <a:lstStyle/>
           <a:p>
-            <a:fld id="{C56D3C84-D069-46CB-A3CD-9051EFB245BA}" type="slidenum">
+            <a:fld id="{5E9D2060-A530-4FFC-9833-66A626B15C1A}" type="slidenum">
               <a:rPr lang="zh-CN" altLang="en-US" smtClean="0"/>
               <a:t>‹#›</a:t>
             </a:fld>
@@ -1873,7 +1873,7 @@
     </p:spTree>
     <p:extLst>
       <p:ext uri="{BB962C8B-B14F-4D97-AF65-F5344CB8AC3E}">
-        <p14:creationId xmlns:p14="http://schemas.microsoft.com/office/powerpoint/2010/main" val="2795252626"/>
+        <p14:creationId xmlns:p14="http://schemas.microsoft.com/office/powerpoint/2010/main" val="524586106"/>
       </p:ext>
     </p:extLst>
   </p:cSld>
@@ -1905,7 +1905,7 @@
           <p:cNvPr id="2" name="标题 1">
             <a:extLst>
               <a:ext uri="{FF2B5EF4-FFF2-40B4-BE49-F238E27FC236}">
-                <a16:creationId xmlns:a16="http://schemas.microsoft.com/office/drawing/2014/main" id="{2ADCD134-3697-8C2B-E44A-8AD39EE30C8F}"/>
+                <a16:creationId xmlns:a16="http://schemas.microsoft.com/office/drawing/2014/main" id="{DFD34696-7B61-10FA-32AF-1B969098209E}"/>
               </a:ext>
             </a:extLst>
           </p:cNvPr>
@@ -1933,7 +1933,7 @@
           <p:cNvPr id="3" name="日期占位符 2">
             <a:extLst>
               <a:ext uri="{FF2B5EF4-FFF2-40B4-BE49-F238E27FC236}">
-                <a16:creationId xmlns:a16="http://schemas.microsoft.com/office/drawing/2014/main" id="{6FABECFC-95A7-ABBC-9127-8315DC516995}"/>
+                <a16:creationId xmlns:a16="http://schemas.microsoft.com/office/drawing/2014/main" id="{9D9A07BB-C4D8-8B8A-1BB7-96D5EBD18398}"/>
               </a:ext>
             </a:extLst>
           </p:cNvPr>
@@ -1949,7 +1949,7 @@
           <a:bodyPr/>
           <a:lstStyle/>
           <a:p>
-            <a:fld id="{57A8F985-8560-411C-905E-B589761B0F87}" type="datetimeFigureOut">
+            <a:fld id="{72AD63B3-2D10-4C87-93E8-71BDC658BDBB}" type="datetimeFigureOut">
               <a:rPr lang="zh-CN" altLang="en-US" smtClean="0"/>
               <a:t>2024/3/10</a:t>
             </a:fld>
@@ -1962,7 +1962,7 @@
           <p:cNvPr id="4" name="页脚占位符 3">
             <a:extLst>
               <a:ext uri="{FF2B5EF4-FFF2-40B4-BE49-F238E27FC236}">
-                <a16:creationId xmlns:a16="http://schemas.microsoft.com/office/drawing/2014/main" id="{6B09AE90-BE45-7C0E-D591-6B21411F76D3}"/>
+                <a16:creationId xmlns:a16="http://schemas.microsoft.com/office/drawing/2014/main" id="{B9FF4AF7-9FCD-3D30-5BC2-A3DF0D1E4468}"/>
               </a:ext>
             </a:extLst>
           </p:cNvPr>
@@ -1987,7 +1987,7 @@
           <p:cNvPr id="5" name="灯片编号占位符 4">
             <a:extLst>
               <a:ext uri="{FF2B5EF4-FFF2-40B4-BE49-F238E27FC236}">
-                <a16:creationId xmlns:a16="http://schemas.microsoft.com/office/drawing/2014/main" id="{56C463B0-9873-2E67-F878-7C80129DF363}"/>
+                <a16:creationId xmlns:a16="http://schemas.microsoft.com/office/drawing/2014/main" id="{8C39D9A7-3BBE-A2FC-5A1D-0BB1CCFEC422}"/>
               </a:ext>
             </a:extLst>
           </p:cNvPr>
@@ -2003,7 +2003,7 @@
           <a:bodyPr/>
           <a:lstStyle/>
           <a:p>
-            <a:fld id="{C56D3C84-D069-46CB-A3CD-9051EFB245BA}" type="slidenum">
+            <a:fld id="{5E9D2060-A530-4FFC-9833-66A626B15C1A}" type="slidenum">
               <a:rPr lang="zh-CN" altLang="en-US" smtClean="0"/>
               <a:t>‹#›</a:t>
             </a:fld>
@@ -2014,7 +2014,7 @@
     </p:spTree>
     <p:extLst>
       <p:ext uri="{BB962C8B-B14F-4D97-AF65-F5344CB8AC3E}">
-        <p14:creationId xmlns:p14="http://schemas.microsoft.com/office/powerpoint/2010/main" val="1508744108"/>
+        <p14:creationId xmlns:p14="http://schemas.microsoft.com/office/powerpoint/2010/main" val="1445905966"/>
       </p:ext>
     </p:extLst>
   </p:cSld>
@@ -2046,7 +2046,7 @@
           <p:cNvPr id="2" name="日期占位符 1">
             <a:extLst>
               <a:ext uri="{FF2B5EF4-FFF2-40B4-BE49-F238E27FC236}">
-                <a16:creationId xmlns:a16="http://schemas.microsoft.com/office/drawing/2014/main" id="{6ACF6BFE-64CC-8B44-E5BB-F5B9D8F033E5}"/>
+                <a16:creationId xmlns:a16="http://schemas.microsoft.com/office/drawing/2014/main" id="{01E63F1B-6A04-AEEF-7EAD-4F09E6AEF83F}"/>
               </a:ext>
             </a:extLst>
           </p:cNvPr>
@@ -2062,7 +2062,7 @@
           <a:bodyPr/>
           <a:lstStyle/>
           <a:p>
-            <a:fld id="{57A8F985-8560-411C-905E-B589761B0F87}" type="datetimeFigureOut">
+            <a:fld id="{72AD63B3-2D10-4C87-93E8-71BDC658BDBB}" type="datetimeFigureOut">
               <a:rPr lang="zh-CN" altLang="en-US" smtClean="0"/>
               <a:t>2024/3/10</a:t>
             </a:fld>
@@ -2075,7 +2075,7 @@
           <p:cNvPr id="3" name="页脚占位符 2">
             <a:extLst>
               <a:ext uri="{FF2B5EF4-FFF2-40B4-BE49-F238E27FC236}">
-                <a16:creationId xmlns:a16="http://schemas.microsoft.com/office/drawing/2014/main" id="{924E94E4-4178-87E6-976B-A78060614384}"/>
+                <a16:creationId xmlns:a16="http://schemas.microsoft.com/office/drawing/2014/main" id="{6D3498EE-6BF0-660E-6C42-0AA26EB7569E}"/>
               </a:ext>
             </a:extLst>
           </p:cNvPr>
@@ -2100,7 +2100,7 @@
           <p:cNvPr id="4" name="灯片编号占位符 3">
             <a:extLst>
               <a:ext uri="{FF2B5EF4-FFF2-40B4-BE49-F238E27FC236}">
-                <a16:creationId xmlns:a16="http://schemas.microsoft.com/office/drawing/2014/main" id="{F1E8FF92-F746-177B-93E5-F92FAB58DE6C}"/>
+                <a16:creationId xmlns:a16="http://schemas.microsoft.com/office/drawing/2014/main" id="{CF71D441-E813-348A-A427-C424C01787B5}"/>
               </a:ext>
             </a:extLst>
           </p:cNvPr>
@@ -2116,7 +2116,7 @@
           <a:bodyPr/>
           <a:lstStyle/>
           <a:p>
-            <a:fld id="{C56D3C84-D069-46CB-A3CD-9051EFB245BA}" type="slidenum">
+            <a:fld id="{5E9D2060-A530-4FFC-9833-66A626B15C1A}" type="slidenum">
               <a:rPr lang="zh-CN" altLang="en-US" smtClean="0"/>
               <a:t>‹#›</a:t>
             </a:fld>
@@ -2127,7 +2127,7 @@
     </p:spTree>
     <p:extLst>
       <p:ext uri="{BB962C8B-B14F-4D97-AF65-F5344CB8AC3E}">
-        <p14:creationId xmlns:p14="http://schemas.microsoft.com/office/powerpoint/2010/main" val="968103374"/>
+        <p14:creationId xmlns:p14="http://schemas.microsoft.com/office/powerpoint/2010/main" val="2893015849"/>
       </p:ext>
     </p:extLst>
   </p:cSld>
@@ -2159,7 +2159,7 @@
           <p:cNvPr id="2" name="标题 1">
             <a:extLst>
               <a:ext uri="{FF2B5EF4-FFF2-40B4-BE49-F238E27FC236}">
-                <a16:creationId xmlns:a16="http://schemas.microsoft.com/office/drawing/2014/main" id="{54E9558B-2962-6441-D8A3-EAE57842FED6}"/>
+                <a16:creationId xmlns:a16="http://schemas.microsoft.com/office/drawing/2014/main" id="{C64D43D9-E782-D7CD-70C4-DA66BB8CB095}"/>
               </a:ext>
             </a:extLst>
           </p:cNvPr>
@@ -2196,7 +2196,7 @@
           <p:cNvPr id="3" name="内容占位符 2">
             <a:extLst>
               <a:ext uri="{FF2B5EF4-FFF2-40B4-BE49-F238E27FC236}">
-                <a16:creationId xmlns:a16="http://schemas.microsoft.com/office/drawing/2014/main" id="{CD8286C4-39DB-6409-0AEA-D0160AF6B2AA}"/>
+                <a16:creationId xmlns:a16="http://schemas.microsoft.com/office/drawing/2014/main" id="{069BFE9F-3A7B-0C95-EC55-0D494F5CB9C7}"/>
               </a:ext>
             </a:extLst>
           </p:cNvPr>
@@ -2286,7 +2286,7 @@
           <p:cNvPr id="4" name="文本占位符 3">
             <a:extLst>
               <a:ext uri="{FF2B5EF4-FFF2-40B4-BE49-F238E27FC236}">
-                <a16:creationId xmlns:a16="http://schemas.microsoft.com/office/drawing/2014/main" id="{C5A651C1-B94B-5851-E604-3FAC2C59A06A}"/>
+                <a16:creationId xmlns:a16="http://schemas.microsoft.com/office/drawing/2014/main" id="{B88E62CB-3B36-0F8C-9AB3-4C52CB9E6257}"/>
               </a:ext>
             </a:extLst>
           </p:cNvPr>
@@ -2357,7 +2357,7 @@
           <p:cNvPr id="5" name="日期占位符 4">
             <a:extLst>
               <a:ext uri="{FF2B5EF4-FFF2-40B4-BE49-F238E27FC236}">
-                <a16:creationId xmlns:a16="http://schemas.microsoft.com/office/drawing/2014/main" id="{5DE2B962-583A-62EA-6CA1-A48BAE988D79}"/>
+                <a16:creationId xmlns:a16="http://schemas.microsoft.com/office/drawing/2014/main" id="{BAFE8D99-E666-A119-96E8-CDE10B7F562F}"/>
               </a:ext>
             </a:extLst>
           </p:cNvPr>
@@ -2373,7 +2373,7 @@
           <a:bodyPr/>
           <a:lstStyle/>
           <a:p>
-            <a:fld id="{57A8F985-8560-411C-905E-B589761B0F87}" type="datetimeFigureOut">
+            <a:fld id="{72AD63B3-2D10-4C87-93E8-71BDC658BDBB}" type="datetimeFigureOut">
               <a:rPr lang="zh-CN" altLang="en-US" smtClean="0"/>
               <a:t>2024/3/10</a:t>
             </a:fld>
@@ -2386,7 +2386,7 @@
           <p:cNvPr id="6" name="页脚占位符 5">
             <a:extLst>
               <a:ext uri="{FF2B5EF4-FFF2-40B4-BE49-F238E27FC236}">
-                <a16:creationId xmlns:a16="http://schemas.microsoft.com/office/drawing/2014/main" id="{59AFDDAE-2864-340C-5240-E84A4B120305}"/>
+                <a16:creationId xmlns:a16="http://schemas.microsoft.com/office/drawing/2014/main" id="{96E4EBE2-E624-46FE-2F92-49A8EB53FF63}"/>
               </a:ext>
             </a:extLst>
           </p:cNvPr>
@@ -2411,7 +2411,7 @@
           <p:cNvPr id="7" name="灯片编号占位符 6">
             <a:extLst>
               <a:ext uri="{FF2B5EF4-FFF2-40B4-BE49-F238E27FC236}">
-                <a16:creationId xmlns:a16="http://schemas.microsoft.com/office/drawing/2014/main" id="{CB163F54-028C-3799-2C4F-58A46215466F}"/>
+                <a16:creationId xmlns:a16="http://schemas.microsoft.com/office/drawing/2014/main" id="{0DE7D8FA-FEBD-98AB-2B80-D38AD0399A0F}"/>
               </a:ext>
             </a:extLst>
           </p:cNvPr>
@@ -2427,7 +2427,7 @@
           <a:bodyPr/>
           <a:lstStyle/>
           <a:p>
-            <a:fld id="{C56D3C84-D069-46CB-A3CD-9051EFB245BA}" type="slidenum">
+            <a:fld id="{5E9D2060-A530-4FFC-9833-66A626B15C1A}" type="slidenum">
               <a:rPr lang="zh-CN" altLang="en-US" smtClean="0"/>
               <a:t>‹#›</a:t>
             </a:fld>
@@ -2438,7 +2438,7 @@
     </p:spTree>
     <p:extLst>
       <p:ext uri="{BB962C8B-B14F-4D97-AF65-F5344CB8AC3E}">
-        <p14:creationId xmlns:p14="http://schemas.microsoft.com/office/powerpoint/2010/main" val="2128497488"/>
+        <p14:creationId xmlns:p14="http://schemas.microsoft.com/office/powerpoint/2010/main" val="1124447706"/>
       </p:ext>
     </p:extLst>
   </p:cSld>
@@ -2470,7 +2470,7 @@
           <p:cNvPr id="2" name="标题 1">
             <a:extLst>
               <a:ext uri="{FF2B5EF4-FFF2-40B4-BE49-F238E27FC236}">
-                <a16:creationId xmlns:a16="http://schemas.microsoft.com/office/drawing/2014/main" id="{C83D0D1A-9D59-96CE-B45C-BD605A1471AD}"/>
+                <a16:creationId xmlns:a16="http://schemas.microsoft.com/office/drawing/2014/main" id="{07CFC023-E8CF-AF3B-BFFF-3818DD4CDE22}"/>
               </a:ext>
             </a:extLst>
           </p:cNvPr>
@@ -2507,7 +2507,7 @@
           <p:cNvPr id="3" name="图片占位符 2">
             <a:extLst>
               <a:ext uri="{FF2B5EF4-FFF2-40B4-BE49-F238E27FC236}">
-                <a16:creationId xmlns:a16="http://schemas.microsoft.com/office/drawing/2014/main" id="{F50186A3-DEF9-6F40-7FC7-75447B816A9A}"/>
+                <a16:creationId xmlns:a16="http://schemas.microsoft.com/office/drawing/2014/main" id="{D7566E3F-98F6-B9D5-7ACC-4B1E70C39361}"/>
               </a:ext>
             </a:extLst>
           </p:cNvPr>
@@ -2574,7 +2574,7 @@
           <p:cNvPr id="4" name="文本占位符 3">
             <a:extLst>
               <a:ext uri="{FF2B5EF4-FFF2-40B4-BE49-F238E27FC236}">
-                <a16:creationId xmlns:a16="http://schemas.microsoft.com/office/drawing/2014/main" id="{A45E6111-6305-AA8B-9AAB-FF0705D845C9}"/>
+                <a16:creationId xmlns:a16="http://schemas.microsoft.com/office/drawing/2014/main" id="{48C4191C-44D9-7991-00BE-EEBC7CA4C149}"/>
               </a:ext>
             </a:extLst>
           </p:cNvPr>
@@ -2645,7 +2645,7 @@
           <p:cNvPr id="5" name="日期占位符 4">
             <a:extLst>
               <a:ext uri="{FF2B5EF4-FFF2-40B4-BE49-F238E27FC236}">
-                <a16:creationId xmlns:a16="http://schemas.microsoft.com/office/drawing/2014/main" id="{C50A184D-9676-C6BF-5114-297B8243964D}"/>
+                <a16:creationId xmlns:a16="http://schemas.microsoft.com/office/drawing/2014/main" id="{704074C0-2420-E781-27C1-47DDDAF59C52}"/>
               </a:ext>
             </a:extLst>
           </p:cNvPr>
@@ -2661,7 +2661,7 @@
           <a:bodyPr/>
           <a:lstStyle/>
           <a:p>
-            <a:fld id="{57A8F985-8560-411C-905E-B589761B0F87}" type="datetimeFigureOut">
+            <a:fld id="{72AD63B3-2D10-4C87-93E8-71BDC658BDBB}" type="datetimeFigureOut">
               <a:rPr lang="zh-CN" altLang="en-US" smtClean="0"/>
               <a:t>2024/3/10</a:t>
             </a:fld>
@@ -2674,7 +2674,7 @@
           <p:cNvPr id="6" name="页脚占位符 5">
             <a:extLst>
               <a:ext uri="{FF2B5EF4-FFF2-40B4-BE49-F238E27FC236}">
-                <a16:creationId xmlns:a16="http://schemas.microsoft.com/office/drawing/2014/main" id="{EF7BB2A4-1A5B-024B-B861-DBBF9BEC9385}"/>
+                <a16:creationId xmlns:a16="http://schemas.microsoft.com/office/drawing/2014/main" id="{1EB32E56-ACFC-0E4F-6016-57125911296A}"/>
               </a:ext>
             </a:extLst>
           </p:cNvPr>
@@ -2699,7 +2699,7 @@
           <p:cNvPr id="7" name="灯片编号占位符 6">
             <a:extLst>
               <a:ext uri="{FF2B5EF4-FFF2-40B4-BE49-F238E27FC236}">
-                <a16:creationId xmlns:a16="http://schemas.microsoft.com/office/drawing/2014/main" id="{0C54DE8E-BEB9-BDAC-43BF-88B860FAC10A}"/>
+                <a16:creationId xmlns:a16="http://schemas.microsoft.com/office/drawing/2014/main" id="{AE203392-94F4-5AAC-20B7-101769E9DF01}"/>
               </a:ext>
             </a:extLst>
           </p:cNvPr>
@@ -2715,7 +2715,7 @@
           <a:bodyPr/>
           <a:lstStyle/>
           <a:p>
-            <a:fld id="{C56D3C84-D069-46CB-A3CD-9051EFB245BA}" type="slidenum">
+            <a:fld id="{5E9D2060-A530-4FFC-9833-66A626B15C1A}" type="slidenum">
               <a:rPr lang="zh-CN" altLang="en-US" smtClean="0"/>
               <a:t>‹#›</a:t>
             </a:fld>
@@ -2726,7 +2726,7 @@
     </p:spTree>
     <p:extLst>
       <p:ext uri="{BB962C8B-B14F-4D97-AF65-F5344CB8AC3E}">
-        <p14:creationId xmlns:p14="http://schemas.microsoft.com/office/powerpoint/2010/main" val="448700572"/>
+        <p14:creationId xmlns:p14="http://schemas.microsoft.com/office/powerpoint/2010/main" val="3745845860"/>
       </p:ext>
     </p:extLst>
   </p:cSld>
@@ -2763,7 +2763,7 @@
           <p:cNvPr id="2" name="标题占位符 1">
             <a:extLst>
               <a:ext uri="{FF2B5EF4-FFF2-40B4-BE49-F238E27FC236}">
-                <a16:creationId xmlns:a16="http://schemas.microsoft.com/office/drawing/2014/main" id="{CB4C780B-838E-FA78-560F-D066A140DCB7}"/>
+                <a16:creationId xmlns:a16="http://schemas.microsoft.com/office/drawing/2014/main" id="{0EF03115-27B2-7C23-1F7F-D9C43A000763}"/>
               </a:ext>
             </a:extLst>
           </p:cNvPr>
@@ -2801,7 +2801,7 @@
           <p:cNvPr id="3" name="文本占位符 2">
             <a:extLst>
               <a:ext uri="{FF2B5EF4-FFF2-40B4-BE49-F238E27FC236}">
-                <a16:creationId xmlns:a16="http://schemas.microsoft.com/office/drawing/2014/main" id="{81852669-47B2-6E21-B9D5-DFE71AF0F674}"/>
+                <a16:creationId xmlns:a16="http://schemas.microsoft.com/office/drawing/2014/main" id="{74947D60-039B-F79C-C691-B0EC8B42AB48}"/>
               </a:ext>
             </a:extLst>
           </p:cNvPr>
@@ -2868,7 +2868,7 @@
           <p:cNvPr id="4" name="日期占位符 3">
             <a:extLst>
               <a:ext uri="{FF2B5EF4-FFF2-40B4-BE49-F238E27FC236}">
-                <a16:creationId xmlns:a16="http://schemas.microsoft.com/office/drawing/2014/main" id="{69C61358-F7B6-E039-E06B-89CCC864E36A}"/>
+                <a16:creationId xmlns:a16="http://schemas.microsoft.com/office/drawing/2014/main" id="{7324C722-816A-89D6-3EBD-0182657AFFCA}"/>
               </a:ext>
             </a:extLst>
           </p:cNvPr>
@@ -2902,7 +2902,7 @@
             </a:lvl1pPr>
           </a:lstStyle>
           <a:p>
-            <a:fld id="{57A8F985-8560-411C-905E-B589761B0F87}" type="datetimeFigureOut">
+            <a:fld id="{72AD63B3-2D10-4C87-93E8-71BDC658BDBB}" type="datetimeFigureOut">
               <a:rPr lang="zh-CN" altLang="en-US" smtClean="0"/>
               <a:t>2024/3/10</a:t>
             </a:fld>
@@ -2915,7 +2915,7 @@
           <p:cNvPr id="5" name="页脚占位符 4">
             <a:extLst>
               <a:ext uri="{FF2B5EF4-FFF2-40B4-BE49-F238E27FC236}">
-                <a16:creationId xmlns:a16="http://schemas.microsoft.com/office/drawing/2014/main" id="{29EE406E-AAE4-EBBE-496F-965BF8A943FA}"/>
+                <a16:creationId xmlns:a16="http://schemas.microsoft.com/office/drawing/2014/main" id="{029C2E41-A6A6-DA82-DFC9-9ECB161201FD}"/>
               </a:ext>
             </a:extLst>
           </p:cNvPr>
@@ -2958,7 +2958,7 @@
           <p:cNvPr id="6" name="灯片编号占位符 5">
             <a:extLst>
               <a:ext uri="{FF2B5EF4-FFF2-40B4-BE49-F238E27FC236}">
-                <a16:creationId xmlns:a16="http://schemas.microsoft.com/office/drawing/2014/main" id="{EF0093B9-23E1-6EE2-15ED-F706AA83F02D}"/>
+                <a16:creationId xmlns:a16="http://schemas.microsoft.com/office/drawing/2014/main" id="{FE25BAB0-CDA7-7959-E401-F57A8B820817}"/>
               </a:ext>
             </a:extLst>
           </p:cNvPr>
@@ -2992,7 +2992,7 @@
             </a:lvl1pPr>
           </a:lstStyle>
           <a:p>
-            <a:fld id="{C56D3C84-D069-46CB-A3CD-9051EFB245BA}" type="slidenum">
+            <a:fld id="{5E9D2060-A530-4FFC-9833-66A626B15C1A}" type="slidenum">
               <a:rPr lang="zh-CN" altLang="en-US" smtClean="0"/>
               <a:t>‹#›</a:t>
             </a:fld>
@@ -3003,7 +3003,7 @@
     </p:spTree>
     <p:extLst>
       <p:ext uri="{BB962C8B-B14F-4D97-AF65-F5344CB8AC3E}">
-        <p14:creationId xmlns:p14="http://schemas.microsoft.com/office/powerpoint/2010/main" val="291371229"/>
+        <p14:creationId xmlns:p14="http://schemas.microsoft.com/office/powerpoint/2010/main" val="1805915766"/>
       </p:ext>
     </p:extLst>
   </p:cSld>
@@ -3323,7 +3323,7 @@
       </p:grpSpPr>
       <p:pic>
         <p:nvPicPr>
-          <p:cNvPr id="544770" name="Picture 2" descr="531"/>
+          <p:cNvPr id="545794" name="Picture 2" descr="532"/>
           <p:cNvPicPr>
             <a:picLocks noChangeAspect="1" noChangeArrowheads="1"/>
           </p:cNvPicPr>
@@ -3375,158 +3375,11 @@
           </a:extLst>
         </p:spPr>
       </p:pic>
-      <p:pic>
-        <p:nvPicPr>
-          <p:cNvPr id="545795" name="Picture 3" descr="531-2"/>
-          <p:cNvPicPr>
-            <a:picLocks noChangeAspect="1" noChangeArrowheads="1"/>
-          </p:cNvPicPr>
-          <p:nvPr/>
-        </p:nvPicPr>
-        <p:blipFill>
-          <a:blip r:embed="rId3">
-            <a:extLst>
-              <a:ext uri="{28A0092B-C50C-407E-A947-70E740481C1C}">
-                <a14:useLocalDpi xmlns:a14="http://schemas.microsoft.com/office/drawing/2010/main" val="0"/>
-              </a:ext>
-            </a:extLst>
-          </a:blip>
-          <a:srcRect/>
-          <a:stretch>
-            <a:fillRect/>
-          </a:stretch>
-        </p:blipFill>
-        <p:spPr bwMode="auto">
-          <a:xfrm>
-            <a:off x="1524000" y="-12700"/>
-            <a:ext cx="9144000" cy="6870700"/>
-          </a:xfrm>
-          <a:prstGeom prst="rect">
-            <a:avLst/>
-          </a:prstGeom>
-          <a:noFill/>
-          <a:ln>
-            <a:noFill/>
-          </a:ln>
-          <a:effectLst/>
-          <a:extLst>
-            <a:ext uri="{909E8E84-426E-40DD-AFC4-6F175D3DCCD1}">
-              <a14:hiddenFill xmlns:a14="http://schemas.microsoft.com/office/drawing/2010/main">
-                <a:solidFill>
-                  <a:srgbClr val="FFFFFF"/>
-                </a:solidFill>
-              </a14:hiddenFill>
-            </a:ext>
-            <a:ext uri="{91240B29-F687-4F45-9708-019B960494DF}">
-              <a14:hiddenLine xmlns:a14="http://schemas.microsoft.com/office/drawing/2010/main" w="9525">
-                <a:solidFill>
-                  <a:srgbClr val="000000"/>
-                </a:solidFill>
-                <a:miter lim="800000"/>
-                <a:headEnd/>
-                <a:tailEnd/>
-              </a14:hiddenLine>
-            </a:ext>
-            <a:ext uri="{AF507438-7753-43E0-B8FC-AC1667EBCBE1}">
-              <a14:hiddenEffects xmlns:a14="http://schemas.microsoft.com/office/drawing/2010/main">
-                <a:effectLst>
-                  <a:outerShdw dist="35921" dir="2700000" algn="ctr" rotWithShape="0">
-                    <a:srgbClr val="808080"/>
-                  </a:outerShdw>
-                </a:effectLst>
-              </a14:hiddenEffects>
-            </a:ext>
-          </a:extLst>
-        </p:spPr>
-      </p:pic>
     </p:spTree>
   </p:cSld>
   <p:clrMapOvr>
     <a:masterClrMapping/>
   </p:clrMapOvr>
-  <p:timing>
-    <p:tnLst>
-      <p:par>
-        <p:cTn id="1" dur="indefinite" restart="never" nodeType="tmRoot">
-          <p:childTnLst>
-            <p:seq concurrent="1" nextAc="seek">
-              <p:cTn id="2" dur="indefinite" nodeType="mainSeq">
-                <p:childTnLst>
-                  <p:par>
-                    <p:cTn id="3" fill="hold" nodeType="clickPar">
-                      <p:stCondLst>
-                        <p:cond delay="indefinite"/>
-                      </p:stCondLst>
-                      <p:childTnLst>
-                        <p:par>
-                          <p:cTn id="4" fill="hold" nodeType="withGroup">
-                            <p:stCondLst>
-                              <p:cond delay="0"/>
-                            </p:stCondLst>
-                            <p:childTnLst>
-                              <p:par>
-                                <p:cTn id="5" presetID="10" presetClass="entr" presetSubtype="0" fill="hold" nodeType="clickEffect">
-                                  <p:stCondLst>
-                                    <p:cond delay="0"/>
-                                  </p:stCondLst>
-                                  <p:childTnLst>
-                                    <p:set>
-                                      <p:cBhvr>
-                                        <p:cTn id="6" dur="1" fill="hold">
-                                          <p:stCondLst>
-                                            <p:cond delay="0"/>
-                                          </p:stCondLst>
-                                        </p:cTn>
-                                        <p:tgtEl>
-                                          <p:spTgt spid="545795"/>
-                                        </p:tgtEl>
-                                        <p:attrNameLst>
-                                          <p:attrName>style.visibility</p:attrName>
-                                        </p:attrNameLst>
-                                      </p:cBhvr>
-                                      <p:to>
-                                        <p:strVal val="visible"/>
-                                      </p:to>
-                                    </p:set>
-                                    <p:animEffect transition="in" filter="fade">
-                                      <p:cBhvr>
-                                        <p:cTn id="7" dur="500"/>
-                                        <p:tgtEl>
-                                          <p:spTgt spid="545795"/>
-                                        </p:tgtEl>
-                                      </p:cBhvr>
-                                    </p:animEffect>
-                                  </p:childTnLst>
-                                </p:cTn>
-                              </p:par>
-                            </p:childTnLst>
-                          </p:cTn>
-                        </p:par>
-                      </p:childTnLst>
-                    </p:cTn>
-                  </p:par>
-                </p:childTnLst>
-              </p:cTn>
-              <p:prevCondLst>
-                <p:cond evt="onPrev" delay="0">
-                  <p:tgtEl>
-                    <p:sldTgt/>
-                  </p:tgtEl>
-                </p:cond>
-              </p:prevCondLst>
-              <p:nextCondLst>
-                <p:cond evt="onNext" delay="0">
-                  <p:tgtEl>
-                    <p:sldTgt/>
-                  </p:tgtEl>
-                </p:cond>
-              </p:nextCondLst>
-            </p:seq>
-          </p:childTnLst>
-        </p:cTn>
-      </p:par>
-    </p:tnLst>
-  </p:timing>
 </p:sld>
 </file>
 
